--- a/Documentation/Design Reviews/DR 1.pptx
+++ b/Documentation/Design Reviews/DR 1.pptx
@@ -1406,30 +1406,30 @@
     </dgm:pt>
   </dgm:ptLst>
   <dgm:cxnLst>
+    <dgm:cxn modelId="{A8928800-1ABC-4800-828C-02C86FA5BD5C}" type="presOf" srcId="{7EA5189C-8A82-4E31-B8DE-1A2F0B8D4C54}" destId="{C2CB6F57-0576-413F-A293-A0E78B21B9F8}" srcOrd="0" destOrd="0" presId="urn:microsoft.com/office/officeart/2008/layout/RadialCluster"/>
+    <dgm:cxn modelId="{29CB9E5E-D5F6-4502-A956-4BDB1F23BDA2}" type="presOf" srcId="{4C1B39BF-F010-4321-A742-3FBC32925276}" destId="{47177BF1-5F2D-48EF-8497-21FE3FD9FE79}" srcOrd="0" destOrd="0" presId="urn:microsoft.com/office/officeart/2008/layout/RadialCluster"/>
     <dgm:cxn modelId="{9BD08B2D-DC89-449F-B907-169749B511CA}" type="presOf" srcId="{2F4CBA2C-CAAA-42CF-B78F-87DEEF1B277A}" destId="{F3FFE5E4-1BC0-4B54-81AE-AA579CAF2653}" srcOrd="0" destOrd="0" presId="urn:microsoft.com/office/officeart/2008/layout/RadialCluster"/>
+    <dgm:cxn modelId="{93F051FE-4DAD-4282-B99F-B0F7FF420B95}" srcId="{20BE8E71-F497-468A-8BCF-867CD172525E}" destId="{73692DD7-5A4E-48BB-B470-C5A4DA4EC749}" srcOrd="4" destOrd="0" parTransId="{8E16C110-46DD-418E-B68B-41176C7363CB}" sibTransId="{F993AD63-E991-4E38-8297-04B334507A7E}"/>
+    <dgm:cxn modelId="{6D8320F6-4272-4A54-A78A-C14EED124194}" type="presOf" srcId="{23159B30-BD23-4DDD-8C73-F4E0AA557D76}" destId="{52F0F047-BCCC-42EF-9CAE-76E3CB0C88BA}" srcOrd="0" destOrd="0" presId="urn:microsoft.com/office/officeart/2008/layout/RadialCluster"/>
+    <dgm:cxn modelId="{C2859883-5757-46E9-8E4F-5E8DE07FE54E}" srcId="{20BE8E71-F497-468A-8BCF-867CD172525E}" destId="{4C1B39BF-F010-4321-A742-3FBC32925276}" srcOrd="6" destOrd="0" parTransId="{4231E3A6-8236-41B8-8CD9-63D77671A4C8}" sibTransId="{5200D3A7-3CAD-44FB-B8C1-9407EA7D36E6}"/>
+    <dgm:cxn modelId="{BE6CB122-AC0F-467A-AB45-2E40DA07C161}" type="presOf" srcId="{73692DD7-5A4E-48BB-B470-C5A4DA4EC749}" destId="{42C18C40-B4AA-446C-B562-40C2969136A5}" srcOrd="0" destOrd="0" presId="urn:microsoft.com/office/officeart/2008/layout/RadialCluster"/>
+    <dgm:cxn modelId="{5DF8612D-F10A-4FC1-BB90-B2B33E21CA41}" type="presOf" srcId="{36786B02-748A-4748-B2D4-5874F7413149}" destId="{F3A44B51-B4D8-4EB5-89F7-4849638C9113}" srcOrd="0" destOrd="0" presId="urn:microsoft.com/office/officeart/2008/layout/RadialCluster"/>
+    <dgm:cxn modelId="{BCC7783B-A6C3-4167-82BC-C1EF20528E2C}" type="presOf" srcId="{14D5249F-26A5-4564-AB2D-600D54F71173}" destId="{B84AF4A8-3947-45EA-8993-17FEB967E4E7}" srcOrd="0" destOrd="0" presId="urn:microsoft.com/office/officeart/2008/layout/RadialCluster"/>
+    <dgm:cxn modelId="{61F7B378-8B10-4371-AEB3-6CD2B92A9715}" type="presOf" srcId="{8F9A3036-4F59-4DA9-BC69-9C65CC5FF756}" destId="{4F1D4343-F068-4E09-A4D6-84538D008E3A}" srcOrd="0" destOrd="0" presId="urn:microsoft.com/office/officeart/2008/layout/RadialCluster"/>
+    <dgm:cxn modelId="{84A1FB9D-2A24-4CE0-84DB-F1DA371028CC}" srcId="{2F4CBA2C-CAAA-42CF-B78F-87DEEF1B277A}" destId="{20BE8E71-F497-468A-8BCF-867CD172525E}" srcOrd="0" destOrd="0" parTransId="{10E7CD52-C70D-4B0D-BA73-39E7D6E0C441}" sibTransId="{C709E9FE-A76B-44F6-BBD4-8043D15198BD}"/>
+    <dgm:cxn modelId="{2050603C-760D-4505-A85B-3B275C5D7DD2}" type="presOf" srcId="{20BE8E71-F497-468A-8BCF-867CD172525E}" destId="{EA7B28CB-2911-4779-869A-AEC78C5F1671}" srcOrd="0" destOrd="0" presId="urn:microsoft.com/office/officeart/2008/layout/RadialCluster"/>
+    <dgm:cxn modelId="{A3229B7A-98F5-4A02-B1BC-20C1B2FD93E3}" srcId="{20BE8E71-F497-468A-8BCF-867CD172525E}" destId="{CDB2F97C-D222-4B7B-AD17-9B1FCACAE65F}" srcOrd="5" destOrd="0" parTransId="{6D930E7D-F4CB-4AC6-8B6C-E671E00D2CDA}" sibTransId="{3DB89215-6E3B-42AE-A1CB-3027719161AB}"/>
+    <dgm:cxn modelId="{8C68F102-B0A2-4886-87E1-F9FB7D1B138B}" srcId="{20BE8E71-F497-468A-8BCF-867CD172525E}" destId="{BD98ED33-66DC-415F-9A6F-2546BAAF3B3D}" srcOrd="1" destOrd="0" parTransId="{14D5249F-26A5-4564-AB2D-600D54F71173}" sibTransId="{33D01D21-955E-4F24-A18E-4041C0D6DE2B}"/>
+    <dgm:cxn modelId="{3DEE961D-66B9-4700-81A4-1DCCAAD35EAA}" type="presOf" srcId="{CDB2F97C-D222-4B7B-AD17-9B1FCACAE65F}" destId="{946220FF-E030-4205-92BF-46A67B7F2879}" srcOrd="0" destOrd="0" presId="urn:microsoft.com/office/officeart/2008/layout/RadialCluster"/>
     <dgm:cxn modelId="{86581E74-C593-4A2D-BD5E-CE1BC5CC7E25}" srcId="{20BE8E71-F497-468A-8BCF-867CD172525E}" destId="{8F9A3036-4F59-4DA9-BC69-9C65CC5FF756}" srcOrd="2" destOrd="0" parTransId="{2CAD2807-D227-4017-ADAE-4A618EC18CA1}" sibTransId="{37768D46-5764-48A9-B061-92B3238D2032}"/>
-    <dgm:cxn modelId="{61F7B378-8B10-4371-AEB3-6CD2B92A9715}" type="presOf" srcId="{8F9A3036-4F59-4DA9-BC69-9C65CC5FF756}" destId="{4F1D4343-F068-4E09-A4D6-84538D008E3A}" srcOrd="0" destOrd="0" presId="urn:microsoft.com/office/officeart/2008/layout/RadialCluster"/>
-    <dgm:cxn modelId="{A8928800-1ABC-4800-828C-02C86FA5BD5C}" type="presOf" srcId="{7EA5189C-8A82-4E31-B8DE-1A2F0B8D4C54}" destId="{C2CB6F57-0576-413F-A293-A0E78B21B9F8}" srcOrd="0" destOrd="0" presId="urn:microsoft.com/office/officeart/2008/layout/RadialCluster"/>
-    <dgm:cxn modelId="{6D8320F6-4272-4A54-A78A-C14EED124194}" type="presOf" srcId="{23159B30-BD23-4DDD-8C73-F4E0AA557D76}" destId="{52F0F047-BCCC-42EF-9CAE-76E3CB0C88BA}" srcOrd="0" destOrd="0" presId="urn:microsoft.com/office/officeart/2008/layout/RadialCluster"/>
-    <dgm:cxn modelId="{3DEE961D-66B9-4700-81A4-1DCCAAD35EAA}" type="presOf" srcId="{CDB2F97C-D222-4B7B-AD17-9B1FCACAE65F}" destId="{946220FF-E030-4205-92BF-46A67B7F2879}" srcOrd="0" destOrd="0" presId="urn:microsoft.com/office/officeart/2008/layout/RadialCluster"/>
-    <dgm:cxn modelId="{A3229B7A-98F5-4A02-B1BC-20C1B2FD93E3}" srcId="{20BE8E71-F497-468A-8BCF-867CD172525E}" destId="{CDB2F97C-D222-4B7B-AD17-9B1FCACAE65F}" srcOrd="5" destOrd="0" parTransId="{6D930E7D-F4CB-4AC6-8B6C-E671E00D2CDA}" sibTransId="{3DB89215-6E3B-42AE-A1CB-3027719161AB}"/>
+    <dgm:cxn modelId="{B03B8A8B-380E-4CF6-8AB1-104B928E62CA}" type="presOf" srcId="{BD98ED33-66DC-415F-9A6F-2546BAAF3B3D}" destId="{323636B3-28E9-4D84-9B24-4CA99FA81ACE}" srcOrd="0" destOrd="0" presId="urn:microsoft.com/office/officeart/2008/layout/RadialCluster"/>
+    <dgm:cxn modelId="{985F22C7-0E7D-42A9-953C-A246EBC99718}" srcId="{20BE8E71-F497-468A-8BCF-867CD172525E}" destId="{23159B30-BD23-4DDD-8C73-F4E0AA557D76}" srcOrd="0" destOrd="0" parTransId="{7EA5189C-8A82-4E31-B8DE-1A2F0B8D4C54}" sibTransId="{F4542481-DB3E-488C-ACCA-3E4EB5875099}"/>
     <dgm:cxn modelId="{73BDBCDF-E960-4CAD-8317-1A73FD7B4432}" type="presOf" srcId="{8E16C110-46DD-418E-B68B-41176C7363CB}" destId="{0B933785-8F10-4908-A031-95865622E3A9}" srcOrd="0" destOrd="0" presId="urn:microsoft.com/office/officeart/2008/layout/RadialCluster"/>
-    <dgm:cxn modelId="{93F051FE-4DAD-4282-B99F-B0F7FF420B95}" srcId="{20BE8E71-F497-468A-8BCF-867CD172525E}" destId="{73692DD7-5A4E-48BB-B470-C5A4DA4EC749}" srcOrd="4" destOrd="0" parTransId="{8E16C110-46DD-418E-B68B-41176C7363CB}" sibTransId="{F993AD63-E991-4E38-8297-04B334507A7E}"/>
-    <dgm:cxn modelId="{B03B8A8B-380E-4CF6-8AB1-104B928E62CA}" type="presOf" srcId="{BD98ED33-66DC-415F-9A6F-2546BAAF3B3D}" destId="{323636B3-28E9-4D84-9B24-4CA99FA81ACE}" srcOrd="0" destOrd="0" presId="urn:microsoft.com/office/officeart/2008/layout/RadialCluster"/>
-    <dgm:cxn modelId="{A97244A1-E973-4B50-B1AF-F5C2C8ED136C}" type="presOf" srcId="{A582B7BA-4838-4A95-B337-9DB7268116E5}" destId="{6A9A5629-B80C-4D13-8A9A-8E0030CA29C6}" srcOrd="0" destOrd="0" presId="urn:microsoft.com/office/officeart/2008/layout/RadialCluster"/>
-    <dgm:cxn modelId="{8C68F102-B0A2-4886-87E1-F9FB7D1B138B}" srcId="{20BE8E71-F497-468A-8BCF-867CD172525E}" destId="{BD98ED33-66DC-415F-9A6F-2546BAAF3B3D}" srcOrd="1" destOrd="0" parTransId="{14D5249F-26A5-4564-AB2D-600D54F71173}" sibTransId="{33D01D21-955E-4F24-A18E-4041C0D6DE2B}"/>
-    <dgm:cxn modelId="{29CB9E5E-D5F6-4502-A956-4BDB1F23BDA2}" type="presOf" srcId="{4C1B39BF-F010-4321-A742-3FBC32925276}" destId="{47177BF1-5F2D-48EF-8497-21FE3FD9FE79}" srcOrd="0" destOrd="0" presId="urn:microsoft.com/office/officeart/2008/layout/RadialCluster"/>
-    <dgm:cxn modelId="{C2859883-5757-46E9-8E4F-5E8DE07FE54E}" srcId="{20BE8E71-F497-468A-8BCF-867CD172525E}" destId="{4C1B39BF-F010-4321-A742-3FBC32925276}" srcOrd="6" destOrd="0" parTransId="{4231E3A6-8236-41B8-8CD9-63D77671A4C8}" sibTransId="{5200D3A7-3CAD-44FB-B8C1-9407EA7D36E6}"/>
-    <dgm:cxn modelId="{122508DC-A576-4A03-83E4-985FEF1A8B82}" srcId="{20BE8E71-F497-468A-8BCF-867CD172525E}" destId="{A582B7BA-4838-4A95-B337-9DB7268116E5}" srcOrd="3" destOrd="0" parTransId="{36786B02-748A-4748-B2D4-5874F7413149}" sibTransId="{4C297DF1-AEBE-4A83-A484-A60056753F8A}"/>
-    <dgm:cxn modelId="{BCC7783B-A6C3-4167-82BC-C1EF20528E2C}" type="presOf" srcId="{14D5249F-26A5-4564-AB2D-600D54F71173}" destId="{B84AF4A8-3947-45EA-8993-17FEB967E4E7}" srcOrd="0" destOrd="0" presId="urn:microsoft.com/office/officeart/2008/layout/RadialCluster"/>
-    <dgm:cxn modelId="{84A1FB9D-2A24-4CE0-84DB-F1DA371028CC}" srcId="{2F4CBA2C-CAAA-42CF-B78F-87DEEF1B277A}" destId="{20BE8E71-F497-468A-8BCF-867CD172525E}" srcOrd="0" destOrd="0" parTransId="{10E7CD52-C70D-4B0D-BA73-39E7D6E0C441}" sibTransId="{C709E9FE-A76B-44F6-BBD4-8043D15198BD}"/>
-    <dgm:cxn modelId="{5DF8612D-F10A-4FC1-BB90-B2B33E21CA41}" type="presOf" srcId="{36786B02-748A-4748-B2D4-5874F7413149}" destId="{F3A44B51-B4D8-4EB5-89F7-4849638C9113}" srcOrd="0" destOrd="0" presId="urn:microsoft.com/office/officeart/2008/layout/RadialCluster"/>
-    <dgm:cxn modelId="{5AF5FB3D-D113-4348-AB8F-72B60AA282B5}" type="presOf" srcId="{2CAD2807-D227-4017-ADAE-4A618EC18CA1}" destId="{3C9F8E07-2750-4F18-8439-C39435BC2A48}" srcOrd="0" destOrd="0" presId="urn:microsoft.com/office/officeart/2008/layout/RadialCluster"/>
-    <dgm:cxn modelId="{2050603C-760D-4505-A85B-3B275C5D7DD2}" type="presOf" srcId="{20BE8E71-F497-468A-8BCF-867CD172525E}" destId="{EA7B28CB-2911-4779-869A-AEC78C5F1671}" srcOrd="0" destOrd="0" presId="urn:microsoft.com/office/officeart/2008/layout/RadialCluster"/>
-    <dgm:cxn modelId="{BE6CB122-AC0F-467A-AB45-2E40DA07C161}" type="presOf" srcId="{73692DD7-5A4E-48BB-B470-C5A4DA4EC749}" destId="{42C18C40-B4AA-446C-B562-40C2969136A5}" srcOrd="0" destOrd="0" presId="urn:microsoft.com/office/officeart/2008/layout/RadialCluster"/>
-    <dgm:cxn modelId="{985F22C7-0E7D-42A9-953C-A246EBC99718}" srcId="{20BE8E71-F497-468A-8BCF-867CD172525E}" destId="{23159B30-BD23-4DDD-8C73-F4E0AA557D76}" srcOrd="0" destOrd="0" parTransId="{7EA5189C-8A82-4E31-B8DE-1A2F0B8D4C54}" sibTransId="{F4542481-DB3E-488C-ACCA-3E4EB5875099}"/>
     <dgm:cxn modelId="{30BEFCCA-BB98-42AB-AF74-F5657D851493}" type="presOf" srcId="{4231E3A6-8236-41B8-8CD9-63D77671A4C8}" destId="{FB5C7847-0F50-42C0-A98F-6F92FFC53D0B}" srcOrd="0" destOrd="0" presId="urn:microsoft.com/office/officeart/2008/layout/RadialCluster"/>
     <dgm:cxn modelId="{A41DB8B0-D05A-4139-83BB-67BCB205AD7A}" type="presOf" srcId="{6D930E7D-F4CB-4AC6-8B6C-E671E00D2CDA}" destId="{B5E74FB8-825C-4828-9A1C-A241752DC65C}" srcOrd="0" destOrd="0" presId="urn:microsoft.com/office/officeart/2008/layout/RadialCluster"/>
+    <dgm:cxn modelId="{A97244A1-E973-4B50-B1AF-F5C2C8ED136C}" type="presOf" srcId="{A582B7BA-4838-4A95-B337-9DB7268116E5}" destId="{6A9A5629-B80C-4D13-8A9A-8E0030CA29C6}" srcOrd="0" destOrd="0" presId="urn:microsoft.com/office/officeart/2008/layout/RadialCluster"/>
+    <dgm:cxn modelId="{5AF5FB3D-D113-4348-AB8F-72B60AA282B5}" type="presOf" srcId="{2CAD2807-D227-4017-ADAE-4A618EC18CA1}" destId="{3C9F8E07-2750-4F18-8439-C39435BC2A48}" srcOrd="0" destOrd="0" presId="urn:microsoft.com/office/officeart/2008/layout/RadialCluster"/>
+    <dgm:cxn modelId="{122508DC-A576-4A03-83E4-985FEF1A8B82}" srcId="{20BE8E71-F497-468A-8BCF-867CD172525E}" destId="{A582B7BA-4838-4A95-B337-9DB7268116E5}" srcOrd="3" destOrd="0" parTransId="{36786B02-748A-4748-B2D4-5874F7413149}" sibTransId="{4C297DF1-AEBE-4A83-A484-A60056753F8A}"/>
     <dgm:cxn modelId="{81C52C67-1A39-4A89-82EC-B2E408F3D1CD}" type="presParOf" srcId="{F3FFE5E4-1BC0-4B54-81AE-AA579CAF2653}" destId="{B22068D3-DDED-4F7A-869F-113F94CC087D}" srcOrd="0" destOrd="0" presId="urn:microsoft.com/office/officeart/2008/layout/RadialCluster"/>
     <dgm:cxn modelId="{5717D2D8-4FDF-4A26-8345-2E59276A04BC}" type="presParOf" srcId="{B22068D3-DDED-4F7A-869F-113F94CC087D}" destId="{EA7B28CB-2911-4779-869A-AEC78C5F1671}" srcOrd="0" destOrd="0" presId="urn:microsoft.com/office/officeart/2008/layout/RadialCluster"/>
     <dgm:cxn modelId="{BE39C1C9-9EE8-4CDE-92FD-D84BBE83B91A}" type="presParOf" srcId="{B22068D3-DDED-4F7A-869F-113F94CC087D}" destId="{C2CB6F57-0576-413F-A293-A0E78B21B9F8}" srcOrd="1" destOrd="0" presId="urn:microsoft.com/office/officeart/2008/layout/RadialCluster"/>
@@ -6978,11 +6978,83 @@
           <a:p>
             <a:r>
               <a:rPr lang="en-US" dirty="0" smtClean="0"/>
+              <a:t>Good</a:t>
+            </a:r>
+            <a:r>
+              <a:rPr lang="en-US" baseline="0" dirty="0" smtClean="0"/>
+              <a:t> morning.  I am </a:t>
+            </a:r>
+            <a:r>
+              <a:rPr lang="en-US" baseline="0" dirty="0" err="1" smtClean="0"/>
+              <a:t>kevin</a:t>
+            </a:r>
+            <a:r>
+              <a:rPr lang="en-US" baseline="0" dirty="0" smtClean="0"/>
+              <a:t> </a:t>
+            </a:r>
+            <a:r>
+              <a:rPr lang="en-US" baseline="0" dirty="0" err="1" smtClean="0"/>
+              <a:t>collins</a:t>
+            </a:r>
+            <a:r>
+              <a:rPr lang="en-US" baseline="0" dirty="0" smtClean="0"/>
+              <a:t> ___</a:t>
+            </a:r>
+            <a:r>
+              <a:rPr lang="en-US" baseline="0" dirty="0" err="1" smtClean="0"/>
+              <a:t>eveyone</a:t>
+            </a:r>
+            <a:r>
+              <a:rPr lang="en-US" baseline="0" dirty="0" smtClean="0"/>
+              <a:t> </a:t>
+            </a:r>
+            <a:r>
+              <a:rPr lang="en-US" baseline="0" dirty="0" err="1" smtClean="0"/>
+              <a:t>instroduces</a:t>
+            </a:r>
+            <a:r>
+              <a:rPr lang="en-US" baseline="0" dirty="0" smtClean="0"/>
+              <a:t> themselves_____  and we are team G of robotics capstone design.  For our project, </a:t>
+            </a:r>
+            <a:r>
+              <a:rPr lang="en-US" dirty="0" smtClean="0"/>
               <a:t>We</a:t>
             </a:r>
             <a:r>
               <a:rPr lang="en-US" baseline="0" dirty="0" smtClean="0"/>
-              <a:t> have been asked by National Instruments to design and build a self balancing unicycle robot to showcase NI’s newest robotics toolkit.  National Instruments has developed a full real time controlling suite to be all encompassing with the LabVIEW Robotics toolkit and their Real-Time controllers. The end product should consists of an unicycle that is able to fall freely in all directions while a real-time control system manages to balance the system and return it to a stable position.</a:t>
+              <a:t> </a:t>
+            </a:r>
+            <a:r>
+              <a:rPr lang="en-US" baseline="0" dirty="0" smtClean="0"/>
+              <a:t>have been asked by National Instruments to design and build a self </a:t>
+            </a:r>
+            <a:r>
+              <a:rPr lang="en-US" baseline="0" dirty="0" smtClean="0"/>
+              <a:t>balancing, autonomous </a:t>
+            </a:r>
+            <a:r>
+              <a:rPr lang="en-US" baseline="0" dirty="0" smtClean="0"/>
+              <a:t>unicycle robot to showcase NI’s newest robotics toolkit.  </a:t>
+            </a:r>
+            <a:r>
+              <a:rPr lang="en-US" baseline="0" dirty="0" smtClean="0"/>
+              <a:t>The robot is self balancing in the </a:t>
+            </a:r>
+            <a:r>
+              <a:rPr lang="en-US" baseline="0" dirty="0" err="1" smtClean="0"/>
+              <a:t>sens</a:t>
+            </a:r>
+            <a:r>
+              <a:rPr lang="en-US" baseline="0" dirty="0" smtClean="0"/>
+              <a:t> that it will stay in the </a:t>
+            </a:r>
+            <a:r>
+              <a:rPr lang="en-US" baseline="0" smtClean="0"/>
+              <a:t>upright position National </a:t>
+            </a:r>
+            <a:r>
+              <a:rPr lang="en-US" baseline="0" dirty="0" smtClean="0"/>
+              <a:t>Instruments has developed a full real time controlling suite to be all encompassing with the LabVIEW Robotics toolkit and their Real-Time controllers. The end product should consists of an unicycle that is able to fall freely in all directions while a real-time control system manages to balance the system and return it to a stable position.</a:t>
             </a:r>
             <a:endParaRPr lang="en-US" dirty="0"/>
           </a:p>
@@ -10389,11 +10461,6 @@
               </a:rPr>
               <a:t>Team Members: </a:t>
             </a:r>
-            <a:endParaRPr lang="en-US" sz="2800" b="1" dirty="0" smtClean="0">
-              <a:solidFill>
-                <a:schemeClr val="tx1"/>
-              </a:solidFill>
-            </a:endParaRPr>
           </a:p>
           <a:p>
             <a:pPr algn="l"/>
@@ -10414,34 +10481,18 @@
                   <a:schemeClr val="tx1"/>
                 </a:solidFill>
               </a:rPr>
-              <a:t>Kevin </a:t>
-            </a:r>
+              <a:t>Kevin Collins (lead)</a:t>
+            </a:r>
+          </a:p>
+          <a:p>
+            <a:pPr algn="l"/>
             <a:r>
               <a:rPr lang="en-US" sz="2800" dirty="0" smtClean="0">
                 <a:solidFill>
                   <a:schemeClr val="tx1"/>
                 </a:solidFill>
               </a:rPr>
-              <a:t>Collins (lead)</a:t>
-            </a:r>
-          </a:p>
-          <a:p>
-            <a:pPr algn="l"/>
-            <a:r>
-              <a:rPr lang="en-US" sz="2800" dirty="0" smtClean="0">
-                <a:solidFill>
-                  <a:schemeClr val="tx1"/>
-                </a:solidFill>
-              </a:rPr>
-              <a:t>Ander </a:t>
-            </a:r>
-            <a:r>
-              <a:rPr lang="en-US" sz="2800" dirty="0" smtClean="0">
-                <a:solidFill>
-                  <a:schemeClr val="tx1"/>
-                </a:solidFill>
-              </a:rPr>
-              <a:t>Solorzano</a:t>
+              <a:t>Ander Solorzano</a:t>
             </a:r>
           </a:p>
           <a:p>
@@ -11825,11 +11876,7 @@
           <a:p>
             <a:r>
               <a:rPr lang="en-US" sz="1600" i="1" dirty="0" smtClean="0"/>
-              <a:t>G,H,C,D matrices are </a:t>
-            </a:r>
-            <a:r>
-              <a:rPr lang="en-US" sz="1600" i="1" dirty="0" smtClean="0"/>
-              <a:t>constant</a:t>
+              <a:t>G,H,C,D matrices are constant</a:t>
             </a:r>
           </a:p>
           <a:p>
@@ -11926,15 +11973,7 @@
           <a:p>
             <a:r>
               <a:rPr lang="en-US" dirty="0" smtClean="0"/>
-              <a:t>LabVIEW </a:t>
-            </a:r>
-            <a:r>
-              <a:rPr lang="en-US" dirty="0" smtClean="0"/>
-              <a:t>Control System </a:t>
-            </a:r>
-            <a:r>
-              <a:rPr lang="en-US" dirty="0" smtClean="0"/>
-              <a:t>Example</a:t>
+              <a:t>LabVIEW Control System Example</a:t>
             </a:r>
             <a:endParaRPr lang="en-US" dirty="0"/>
           </a:p>
@@ -13295,11 +13334,7 @@
           <a:p>
             <a:r>
               <a:rPr lang="en-US" dirty="0" smtClean="0"/>
-              <a:t>Project </a:t>
-            </a:r>
-            <a:r>
-              <a:rPr lang="en-US" dirty="0" smtClean="0"/>
-              <a:t>Overview and Client Expectations</a:t>
+              <a:t>Project Overview and Client Expectations</a:t>
             </a:r>
             <a:endParaRPr lang="en-US" dirty="0"/>
           </a:p>
